--- a/ppt 16-9/0247.耶稣为我.pptx
+++ b/ppt 16-9/0247.耶稣为我.pptx
@@ -129,7 +129,7 @@
           <p:cNvPr id="2" name="标题 1">
             <a:extLst>
               <a:ext uri="{FF2B5EF4-FFF2-40B4-BE49-F238E27FC236}">
-                <a16:creationId xmlns:a16="http://schemas.microsoft.com/office/drawing/2014/main" id="{0F08B316-5D44-907B-B87E-E73569FA993B}"/>
+                <a16:creationId xmlns:a16="http://schemas.microsoft.com/office/drawing/2014/main" id="{DA596040-898A-E37E-BE05-D36C2B943CA3}"/>
               </a:ext>
             </a:extLst>
           </p:cNvPr>
@@ -166,7 +166,7 @@
           <p:cNvPr id="3" name="副标题 2">
             <a:extLst>
               <a:ext uri="{FF2B5EF4-FFF2-40B4-BE49-F238E27FC236}">
-                <a16:creationId xmlns:a16="http://schemas.microsoft.com/office/drawing/2014/main" id="{A95769FA-FADC-B91A-06FE-9A45BB5529BD}"/>
+                <a16:creationId xmlns:a16="http://schemas.microsoft.com/office/drawing/2014/main" id="{0B649DF3-6500-3803-B44A-1FF4A68B6008}"/>
               </a:ext>
             </a:extLst>
           </p:cNvPr>
@@ -236,7 +236,7 @@
           <p:cNvPr id="4" name="日期占位符 3">
             <a:extLst>
               <a:ext uri="{FF2B5EF4-FFF2-40B4-BE49-F238E27FC236}">
-                <a16:creationId xmlns:a16="http://schemas.microsoft.com/office/drawing/2014/main" id="{A5B1DE2E-A5E8-1C77-AB18-1771EEEBD982}"/>
+                <a16:creationId xmlns:a16="http://schemas.microsoft.com/office/drawing/2014/main" id="{647A762B-7988-6C8C-1492-40BE92CAFA2C}"/>
               </a:ext>
             </a:extLst>
           </p:cNvPr>
@@ -252,7 +252,7 @@
           <a:bodyPr/>
           <a:lstStyle/>
           <a:p>
-            <a:fld id="{C82D3034-8552-4ACF-AF64-2C047BA01E42}" type="datetimeFigureOut">
+            <a:fld id="{C7E90B2B-00F0-42D6-9A98-3B4D057C2A78}" type="datetimeFigureOut">
               <a:rPr lang="zh-CN" altLang="en-US" smtClean="0"/>
               <a:t>2024/3/10</a:t>
             </a:fld>
@@ -265,7 +265,7 @@
           <p:cNvPr id="5" name="页脚占位符 4">
             <a:extLst>
               <a:ext uri="{FF2B5EF4-FFF2-40B4-BE49-F238E27FC236}">
-                <a16:creationId xmlns:a16="http://schemas.microsoft.com/office/drawing/2014/main" id="{7466DAE2-C3E0-A528-2A1A-7D57C0850014}"/>
+                <a16:creationId xmlns:a16="http://schemas.microsoft.com/office/drawing/2014/main" id="{AE56A42C-812C-423C-95D6-C6F872BCBDF3}"/>
               </a:ext>
             </a:extLst>
           </p:cNvPr>
@@ -290,7 +290,7 @@
           <p:cNvPr id="6" name="灯片编号占位符 5">
             <a:extLst>
               <a:ext uri="{FF2B5EF4-FFF2-40B4-BE49-F238E27FC236}">
-                <a16:creationId xmlns:a16="http://schemas.microsoft.com/office/drawing/2014/main" id="{1E41BA2D-CC21-485E-E20F-0EAC88A1BCEF}"/>
+                <a16:creationId xmlns:a16="http://schemas.microsoft.com/office/drawing/2014/main" id="{4C18C73D-71C9-46F7-A3E6-BAB445500482}"/>
               </a:ext>
             </a:extLst>
           </p:cNvPr>
@@ -306,7 +306,7 @@
           <a:bodyPr/>
           <a:lstStyle/>
           <a:p>
-            <a:fld id="{310C99F0-8C91-4725-8329-A3EE0CE7B465}" type="slidenum">
+            <a:fld id="{06CD15DE-CB6A-45B6-9E41-73D84BFED846}" type="slidenum">
               <a:rPr lang="zh-CN" altLang="en-US" smtClean="0"/>
               <a:t>‹#›</a:t>
             </a:fld>
@@ -317,7 +317,7 @@
     </p:spTree>
     <p:extLst>
       <p:ext uri="{BB962C8B-B14F-4D97-AF65-F5344CB8AC3E}">
-        <p14:creationId xmlns:p14="http://schemas.microsoft.com/office/powerpoint/2010/main" val="1041314181"/>
+        <p14:creationId xmlns:p14="http://schemas.microsoft.com/office/powerpoint/2010/main" val="2113445875"/>
       </p:ext>
     </p:extLst>
   </p:cSld>
@@ -349,7 +349,7 @@
           <p:cNvPr id="2" name="标题 1">
             <a:extLst>
               <a:ext uri="{FF2B5EF4-FFF2-40B4-BE49-F238E27FC236}">
-                <a16:creationId xmlns:a16="http://schemas.microsoft.com/office/drawing/2014/main" id="{EEB6197C-144B-6349-D399-E42FB27B2AB9}"/>
+                <a16:creationId xmlns:a16="http://schemas.microsoft.com/office/drawing/2014/main" id="{3DBFF472-81CC-B44B-4E32-E35314209A34}"/>
               </a:ext>
             </a:extLst>
           </p:cNvPr>
@@ -377,7 +377,7 @@
           <p:cNvPr id="3" name="竖排文字占位符 2">
             <a:extLst>
               <a:ext uri="{FF2B5EF4-FFF2-40B4-BE49-F238E27FC236}">
-                <a16:creationId xmlns:a16="http://schemas.microsoft.com/office/drawing/2014/main" id="{19B8DA9F-93DE-467A-738B-3878DACE7D45}"/>
+                <a16:creationId xmlns:a16="http://schemas.microsoft.com/office/drawing/2014/main" id="{CDE84EC7-202B-C1D6-495E-14D955F5873F}"/>
               </a:ext>
             </a:extLst>
           </p:cNvPr>
@@ -434,7 +434,7 @@
           <p:cNvPr id="4" name="日期占位符 3">
             <a:extLst>
               <a:ext uri="{FF2B5EF4-FFF2-40B4-BE49-F238E27FC236}">
-                <a16:creationId xmlns:a16="http://schemas.microsoft.com/office/drawing/2014/main" id="{A3B46202-7288-BBDC-5B79-BD8BD3462419}"/>
+                <a16:creationId xmlns:a16="http://schemas.microsoft.com/office/drawing/2014/main" id="{2F40D6B4-9D15-D20E-0C49-E044017C6539}"/>
               </a:ext>
             </a:extLst>
           </p:cNvPr>
@@ -450,7 +450,7 @@
           <a:bodyPr/>
           <a:lstStyle/>
           <a:p>
-            <a:fld id="{C82D3034-8552-4ACF-AF64-2C047BA01E42}" type="datetimeFigureOut">
+            <a:fld id="{C7E90B2B-00F0-42D6-9A98-3B4D057C2A78}" type="datetimeFigureOut">
               <a:rPr lang="zh-CN" altLang="en-US" smtClean="0"/>
               <a:t>2024/3/10</a:t>
             </a:fld>
@@ -463,7 +463,7 @@
           <p:cNvPr id="5" name="页脚占位符 4">
             <a:extLst>
               <a:ext uri="{FF2B5EF4-FFF2-40B4-BE49-F238E27FC236}">
-                <a16:creationId xmlns:a16="http://schemas.microsoft.com/office/drawing/2014/main" id="{1BA2E8F6-47C5-0CF4-3899-7277D656FDCA}"/>
+                <a16:creationId xmlns:a16="http://schemas.microsoft.com/office/drawing/2014/main" id="{A1EB27F9-A6C4-A821-493C-EBA39256BB3B}"/>
               </a:ext>
             </a:extLst>
           </p:cNvPr>
@@ -488,7 +488,7 @@
           <p:cNvPr id="6" name="灯片编号占位符 5">
             <a:extLst>
               <a:ext uri="{FF2B5EF4-FFF2-40B4-BE49-F238E27FC236}">
-                <a16:creationId xmlns:a16="http://schemas.microsoft.com/office/drawing/2014/main" id="{369ADC22-1635-DC98-9BE4-8C84E0368556}"/>
+                <a16:creationId xmlns:a16="http://schemas.microsoft.com/office/drawing/2014/main" id="{8833E938-2E1B-67D6-F309-10AC9601FAA0}"/>
               </a:ext>
             </a:extLst>
           </p:cNvPr>
@@ -504,7 +504,7 @@
           <a:bodyPr/>
           <a:lstStyle/>
           <a:p>
-            <a:fld id="{310C99F0-8C91-4725-8329-A3EE0CE7B465}" type="slidenum">
+            <a:fld id="{06CD15DE-CB6A-45B6-9E41-73D84BFED846}" type="slidenum">
               <a:rPr lang="zh-CN" altLang="en-US" smtClean="0"/>
               <a:t>‹#›</a:t>
             </a:fld>
@@ -515,7 +515,7 @@
     </p:spTree>
     <p:extLst>
       <p:ext uri="{BB962C8B-B14F-4D97-AF65-F5344CB8AC3E}">
-        <p14:creationId xmlns:p14="http://schemas.microsoft.com/office/powerpoint/2010/main" val="2808801338"/>
+        <p14:creationId xmlns:p14="http://schemas.microsoft.com/office/powerpoint/2010/main" val="3042330319"/>
       </p:ext>
     </p:extLst>
   </p:cSld>
@@ -547,7 +547,7 @@
           <p:cNvPr id="2" name="竖排标题 1">
             <a:extLst>
               <a:ext uri="{FF2B5EF4-FFF2-40B4-BE49-F238E27FC236}">
-                <a16:creationId xmlns:a16="http://schemas.microsoft.com/office/drawing/2014/main" id="{E23C2416-B655-E3A7-53AE-EABAB3976FF9}"/>
+                <a16:creationId xmlns:a16="http://schemas.microsoft.com/office/drawing/2014/main" id="{F97E5928-7C88-8551-9EE4-AD23612BA20E}"/>
               </a:ext>
             </a:extLst>
           </p:cNvPr>
@@ -580,7 +580,7 @@
           <p:cNvPr id="3" name="竖排文字占位符 2">
             <a:extLst>
               <a:ext uri="{FF2B5EF4-FFF2-40B4-BE49-F238E27FC236}">
-                <a16:creationId xmlns:a16="http://schemas.microsoft.com/office/drawing/2014/main" id="{5379EA29-F7B8-3039-23FF-3F494287D751}"/>
+                <a16:creationId xmlns:a16="http://schemas.microsoft.com/office/drawing/2014/main" id="{66EDA2D0-FBE7-FF60-CD8D-0D2E687D70E8}"/>
               </a:ext>
             </a:extLst>
           </p:cNvPr>
@@ -642,7 +642,7 @@
           <p:cNvPr id="4" name="日期占位符 3">
             <a:extLst>
               <a:ext uri="{FF2B5EF4-FFF2-40B4-BE49-F238E27FC236}">
-                <a16:creationId xmlns:a16="http://schemas.microsoft.com/office/drawing/2014/main" id="{E5D568FD-5134-90D2-9F94-856C2A13C14F}"/>
+                <a16:creationId xmlns:a16="http://schemas.microsoft.com/office/drawing/2014/main" id="{478CBC94-39BC-463D-4D6F-C05B3EBB9C53}"/>
               </a:ext>
             </a:extLst>
           </p:cNvPr>
@@ -658,7 +658,7 @@
           <a:bodyPr/>
           <a:lstStyle/>
           <a:p>
-            <a:fld id="{C82D3034-8552-4ACF-AF64-2C047BA01E42}" type="datetimeFigureOut">
+            <a:fld id="{C7E90B2B-00F0-42D6-9A98-3B4D057C2A78}" type="datetimeFigureOut">
               <a:rPr lang="zh-CN" altLang="en-US" smtClean="0"/>
               <a:t>2024/3/10</a:t>
             </a:fld>
@@ -671,7 +671,7 @@
           <p:cNvPr id="5" name="页脚占位符 4">
             <a:extLst>
               <a:ext uri="{FF2B5EF4-FFF2-40B4-BE49-F238E27FC236}">
-                <a16:creationId xmlns:a16="http://schemas.microsoft.com/office/drawing/2014/main" id="{271B0948-0891-A972-FE6F-9462FD6D736C}"/>
+                <a16:creationId xmlns:a16="http://schemas.microsoft.com/office/drawing/2014/main" id="{B9044223-99CE-FB60-7A37-BA44367189DD}"/>
               </a:ext>
             </a:extLst>
           </p:cNvPr>
@@ -696,7 +696,7 @@
           <p:cNvPr id="6" name="灯片编号占位符 5">
             <a:extLst>
               <a:ext uri="{FF2B5EF4-FFF2-40B4-BE49-F238E27FC236}">
-                <a16:creationId xmlns:a16="http://schemas.microsoft.com/office/drawing/2014/main" id="{C25B19B7-1E8B-989F-2449-4825BB2E6D64}"/>
+                <a16:creationId xmlns:a16="http://schemas.microsoft.com/office/drawing/2014/main" id="{B7FF0D05-39F5-E1B9-BC47-F0433ED0EC15}"/>
               </a:ext>
             </a:extLst>
           </p:cNvPr>
@@ -712,7 +712,7 @@
           <a:bodyPr/>
           <a:lstStyle/>
           <a:p>
-            <a:fld id="{310C99F0-8C91-4725-8329-A3EE0CE7B465}" type="slidenum">
+            <a:fld id="{06CD15DE-CB6A-45B6-9E41-73D84BFED846}" type="slidenum">
               <a:rPr lang="zh-CN" altLang="en-US" smtClean="0"/>
               <a:t>‹#›</a:t>
             </a:fld>
@@ -723,7 +723,7 @@
     </p:spTree>
     <p:extLst>
       <p:ext uri="{BB962C8B-B14F-4D97-AF65-F5344CB8AC3E}">
-        <p14:creationId xmlns:p14="http://schemas.microsoft.com/office/powerpoint/2010/main" val="941051911"/>
+        <p14:creationId xmlns:p14="http://schemas.microsoft.com/office/powerpoint/2010/main" val="2686266204"/>
       </p:ext>
     </p:extLst>
   </p:cSld>
@@ -755,7 +755,7 @@
           <p:cNvPr id="2" name="标题 1">
             <a:extLst>
               <a:ext uri="{FF2B5EF4-FFF2-40B4-BE49-F238E27FC236}">
-                <a16:creationId xmlns:a16="http://schemas.microsoft.com/office/drawing/2014/main" id="{E68878F0-7B99-FB8A-2812-AF6857D113B2}"/>
+                <a16:creationId xmlns:a16="http://schemas.microsoft.com/office/drawing/2014/main" id="{FFB5F9D2-90AF-9B5D-BFF1-E1186425B67F}"/>
               </a:ext>
             </a:extLst>
           </p:cNvPr>
@@ -783,7 +783,7 @@
           <p:cNvPr id="3" name="内容占位符 2">
             <a:extLst>
               <a:ext uri="{FF2B5EF4-FFF2-40B4-BE49-F238E27FC236}">
-                <a16:creationId xmlns:a16="http://schemas.microsoft.com/office/drawing/2014/main" id="{013FD13F-D30D-663A-2936-6FC406D2A06D}"/>
+                <a16:creationId xmlns:a16="http://schemas.microsoft.com/office/drawing/2014/main" id="{D3DE544B-7EB6-AF46-6D77-CBC4ED3F8DED}"/>
               </a:ext>
             </a:extLst>
           </p:cNvPr>
@@ -840,7 +840,7 @@
           <p:cNvPr id="4" name="日期占位符 3">
             <a:extLst>
               <a:ext uri="{FF2B5EF4-FFF2-40B4-BE49-F238E27FC236}">
-                <a16:creationId xmlns:a16="http://schemas.microsoft.com/office/drawing/2014/main" id="{2D9EE82E-AA49-A989-CAFA-78A2703167A2}"/>
+                <a16:creationId xmlns:a16="http://schemas.microsoft.com/office/drawing/2014/main" id="{B948C3BE-B42A-4AFB-3CC0-0D1D9FF10088}"/>
               </a:ext>
             </a:extLst>
           </p:cNvPr>
@@ -856,7 +856,7 @@
           <a:bodyPr/>
           <a:lstStyle/>
           <a:p>
-            <a:fld id="{C82D3034-8552-4ACF-AF64-2C047BA01E42}" type="datetimeFigureOut">
+            <a:fld id="{C7E90B2B-00F0-42D6-9A98-3B4D057C2A78}" type="datetimeFigureOut">
               <a:rPr lang="zh-CN" altLang="en-US" smtClean="0"/>
               <a:t>2024/3/10</a:t>
             </a:fld>
@@ -869,7 +869,7 @@
           <p:cNvPr id="5" name="页脚占位符 4">
             <a:extLst>
               <a:ext uri="{FF2B5EF4-FFF2-40B4-BE49-F238E27FC236}">
-                <a16:creationId xmlns:a16="http://schemas.microsoft.com/office/drawing/2014/main" id="{DDB5B949-81A6-5651-41F1-9DBFCFC59613}"/>
+                <a16:creationId xmlns:a16="http://schemas.microsoft.com/office/drawing/2014/main" id="{0D5F52C3-FB7D-4322-AAEE-F0BA9DCD314E}"/>
               </a:ext>
             </a:extLst>
           </p:cNvPr>
@@ -894,7 +894,7 @@
           <p:cNvPr id="6" name="灯片编号占位符 5">
             <a:extLst>
               <a:ext uri="{FF2B5EF4-FFF2-40B4-BE49-F238E27FC236}">
-                <a16:creationId xmlns:a16="http://schemas.microsoft.com/office/drawing/2014/main" id="{B468785D-6E8C-FAC5-E115-980FC4417E20}"/>
+                <a16:creationId xmlns:a16="http://schemas.microsoft.com/office/drawing/2014/main" id="{6314628F-6834-8301-4F38-E1FFA715E7D5}"/>
               </a:ext>
             </a:extLst>
           </p:cNvPr>
@@ -910,7 +910,7 @@
           <a:bodyPr/>
           <a:lstStyle/>
           <a:p>
-            <a:fld id="{310C99F0-8C91-4725-8329-A3EE0CE7B465}" type="slidenum">
+            <a:fld id="{06CD15DE-CB6A-45B6-9E41-73D84BFED846}" type="slidenum">
               <a:rPr lang="zh-CN" altLang="en-US" smtClean="0"/>
               <a:t>‹#›</a:t>
             </a:fld>
@@ -921,7 +921,7 @@
     </p:spTree>
     <p:extLst>
       <p:ext uri="{BB962C8B-B14F-4D97-AF65-F5344CB8AC3E}">
-        <p14:creationId xmlns:p14="http://schemas.microsoft.com/office/powerpoint/2010/main" val="1602884286"/>
+        <p14:creationId xmlns:p14="http://schemas.microsoft.com/office/powerpoint/2010/main" val="3669215760"/>
       </p:ext>
     </p:extLst>
   </p:cSld>
@@ -953,7 +953,7 @@
           <p:cNvPr id="2" name="标题 1">
             <a:extLst>
               <a:ext uri="{FF2B5EF4-FFF2-40B4-BE49-F238E27FC236}">
-                <a16:creationId xmlns:a16="http://schemas.microsoft.com/office/drawing/2014/main" id="{3FC2147F-2B62-3397-5A09-485D8E36953A}"/>
+                <a16:creationId xmlns:a16="http://schemas.microsoft.com/office/drawing/2014/main" id="{5BD96869-BB64-10DE-21AC-F0735489AE1E}"/>
               </a:ext>
             </a:extLst>
           </p:cNvPr>
@@ -990,7 +990,7 @@
           <p:cNvPr id="3" name="文本占位符 2">
             <a:extLst>
               <a:ext uri="{FF2B5EF4-FFF2-40B4-BE49-F238E27FC236}">
-                <a16:creationId xmlns:a16="http://schemas.microsoft.com/office/drawing/2014/main" id="{6EFFFA03-6E87-6AA0-6440-2A0128FD3EFC}"/>
+                <a16:creationId xmlns:a16="http://schemas.microsoft.com/office/drawing/2014/main" id="{E01B9E84-C5F3-004B-99B1-C7600C3DD896}"/>
               </a:ext>
             </a:extLst>
           </p:cNvPr>
@@ -1115,7 +1115,7 @@
           <p:cNvPr id="4" name="日期占位符 3">
             <a:extLst>
               <a:ext uri="{FF2B5EF4-FFF2-40B4-BE49-F238E27FC236}">
-                <a16:creationId xmlns:a16="http://schemas.microsoft.com/office/drawing/2014/main" id="{93001E7B-CF09-58FD-0B3C-C4AEF4EE69DA}"/>
+                <a16:creationId xmlns:a16="http://schemas.microsoft.com/office/drawing/2014/main" id="{217CDA19-43EA-2B59-4CBB-1114E3EAB434}"/>
               </a:ext>
             </a:extLst>
           </p:cNvPr>
@@ -1131,7 +1131,7 @@
           <a:bodyPr/>
           <a:lstStyle/>
           <a:p>
-            <a:fld id="{C82D3034-8552-4ACF-AF64-2C047BA01E42}" type="datetimeFigureOut">
+            <a:fld id="{C7E90B2B-00F0-42D6-9A98-3B4D057C2A78}" type="datetimeFigureOut">
               <a:rPr lang="zh-CN" altLang="en-US" smtClean="0"/>
               <a:t>2024/3/10</a:t>
             </a:fld>
@@ -1144,7 +1144,7 @@
           <p:cNvPr id="5" name="页脚占位符 4">
             <a:extLst>
               <a:ext uri="{FF2B5EF4-FFF2-40B4-BE49-F238E27FC236}">
-                <a16:creationId xmlns:a16="http://schemas.microsoft.com/office/drawing/2014/main" id="{B3CC39D8-C76B-4B7A-FB46-5848CB5280A9}"/>
+                <a16:creationId xmlns:a16="http://schemas.microsoft.com/office/drawing/2014/main" id="{8D460A4A-9773-6674-0357-09E5B04C6C22}"/>
               </a:ext>
             </a:extLst>
           </p:cNvPr>
@@ -1169,7 +1169,7 @@
           <p:cNvPr id="6" name="灯片编号占位符 5">
             <a:extLst>
               <a:ext uri="{FF2B5EF4-FFF2-40B4-BE49-F238E27FC236}">
-                <a16:creationId xmlns:a16="http://schemas.microsoft.com/office/drawing/2014/main" id="{8E906D46-7C1B-6060-BFCB-59CE58F37EC0}"/>
+                <a16:creationId xmlns:a16="http://schemas.microsoft.com/office/drawing/2014/main" id="{F1785E42-B4B5-D537-39ED-B468074F94CF}"/>
               </a:ext>
             </a:extLst>
           </p:cNvPr>
@@ -1185,7 +1185,7 @@
           <a:bodyPr/>
           <a:lstStyle/>
           <a:p>
-            <a:fld id="{310C99F0-8C91-4725-8329-A3EE0CE7B465}" type="slidenum">
+            <a:fld id="{06CD15DE-CB6A-45B6-9E41-73D84BFED846}" type="slidenum">
               <a:rPr lang="zh-CN" altLang="en-US" smtClean="0"/>
               <a:t>‹#›</a:t>
             </a:fld>
@@ -1196,7 +1196,7 @@
     </p:spTree>
     <p:extLst>
       <p:ext uri="{BB962C8B-B14F-4D97-AF65-F5344CB8AC3E}">
-        <p14:creationId xmlns:p14="http://schemas.microsoft.com/office/powerpoint/2010/main" val="983763280"/>
+        <p14:creationId xmlns:p14="http://schemas.microsoft.com/office/powerpoint/2010/main" val="1877545368"/>
       </p:ext>
     </p:extLst>
   </p:cSld>
@@ -1228,7 +1228,7 @@
           <p:cNvPr id="2" name="标题 1">
             <a:extLst>
               <a:ext uri="{FF2B5EF4-FFF2-40B4-BE49-F238E27FC236}">
-                <a16:creationId xmlns:a16="http://schemas.microsoft.com/office/drawing/2014/main" id="{FA9B1B1D-980D-1CEC-C457-00ED6E020719}"/>
+                <a16:creationId xmlns:a16="http://schemas.microsoft.com/office/drawing/2014/main" id="{56377667-6A84-E51E-B79C-1007A98E5458}"/>
               </a:ext>
             </a:extLst>
           </p:cNvPr>
@@ -1256,7 +1256,7 @@
           <p:cNvPr id="3" name="内容占位符 2">
             <a:extLst>
               <a:ext uri="{FF2B5EF4-FFF2-40B4-BE49-F238E27FC236}">
-                <a16:creationId xmlns:a16="http://schemas.microsoft.com/office/drawing/2014/main" id="{3FC635D3-0AC8-ED72-2876-790B3C605C26}"/>
+                <a16:creationId xmlns:a16="http://schemas.microsoft.com/office/drawing/2014/main" id="{BF3ADA93-CBF7-4AC5-8AE2-05D26F3CA2CD}"/>
               </a:ext>
             </a:extLst>
           </p:cNvPr>
@@ -1318,7 +1318,7 @@
           <p:cNvPr id="4" name="内容占位符 3">
             <a:extLst>
               <a:ext uri="{FF2B5EF4-FFF2-40B4-BE49-F238E27FC236}">
-                <a16:creationId xmlns:a16="http://schemas.microsoft.com/office/drawing/2014/main" id="{9491E3E8-1112-CADC-88E9-ECA94D655F72}"/>
+                <a16:creationId xmlns:a16="http://schemas.microsoft.com/office/drawing/2014/main" id="{ACEABAE8-C2D8-CFF0-CE07-0A0625865F26}"/>
               </a:ext>
             </a:extLst>
           </p:cNvPr>
@@ -1380,7 +1380,7 @@
           <p:cNvPr id="5" name="日期占位符 4">
             <a:extLst>
               <a:ext uri="{FF2B5EF4-FFF2-40B4-BE49-F238E27FC236}">
-                <a16:creationId xmlns:a16="http://schemas.microsoft.com/office/drawing/2014/main" id="{F5AF491E-7353-03BF-31F3-D03FE6E11D89}"/>
+                <a16:creationId xmlns:a16="http://schemas.microsoft.com/office/drawing/2014/main" id="{34407B89-BFAA-C589-42D9-53FD393A28EC}"/>
               </a:ext>
             </a:extLst>
           </p:cNvPr>
@@ -1396,7 +1396,7 @@
           <a:bodyPr/>
           <a:lstStyle/>
           <a:p>
-            <a:fld id="{C82D3034-8552-4ACF-AF64-2C047BA01E42}" type="datetimeFigureOut">
+            <a:fld id="{C7E90B2B-00F0-42D6-9A98-3B4D057C2A78}" type="datetimeFigureOut">
               <a:rPr lang="zh-CN" altLang="en-US" smtClean="0"/>
               <a:t>2024/3/10</a:t>
             </a:fld>
@@ -1409,7 +1409,7 @@
           <p:cNvPr id="6" name="页脚占位符 5">
             <a:extLst>
               <a:ext uri="{FF2B5EF4-FFF2-40B4-BE49-F238E27FC236}">
-                <a16:creationId xmlns:a16="http://schemas.microsoft.com/office/drawing/2014/main" id="{485DB452-1765-7BA2-2A4A-C1664C586B90}"/>
+                <a16:creationId xmlns:a16="http://schemas.microsoft.com/office/drawing/2014/main" id="{AEF2B895-5202-AE13-B23F-2D290EFC9218}"/>
               </a:ext>
             </a:extLst>
           </p:cNvPr>
@@ -1434,7 +1434,7 @@
           <p:cNvPr id="7" name="灯片编号占位符 6">
             <a:extLst>
               <a:ext uri="{FF2B5EF4-FFF2-40B4-BE49-F238E27FC236}">
-                <a16:creationId xmlns:a16="http://schemas.microsoft.com/office/drawing/2014/main" id="{EFA22112-97F3-4214-5C00-CC83975699E8}"/>
+                <a16:creationId xmlns:a16="http://schemas.microsoft.com/office/drawing/2014/main" id="{67713CBF-0C07-D487-32D0-A0793EBA48BA}"/>
               </a:ext>
             </a:extLst>
           </p:cNvPr>
@@ -1450,7 +1450,7 @@
           <a:bodyPr/>
           <a:lstStyle/>
           <a:p>
-            <a:fld id="{310C99F0-8C91-4725-8329-A3EE0CE7B465}" type="slidenum">
+            <a:fld id="{06CD15DE-CB6A-45B6-9E41-73D84BFED846}" type="slidenum">
               <a:rPr lang="zh-CN" altLang="en-US" smtClean="0"/>
               <a:t>‹#›</a:t>
             </a:fld>
@@ -1461,7 +1461,7 @@
     </p:spTree>
     <p:extLst>
       <p:ext uri="{BB962C8B-B14F-4D97-AF65-F5344CB8AC3E}">
-        <p14:creationId xmlns:p14="http://schemas.microsoft.com/office/powerpoint/2010/main" val="2223484744"/>
+        <p14:creationId xmlns:p14="http://schemas.microsoft.com/office/powerpoint/2010/main" val="3786108591"/>
       </p:ext>
     </p:extLst>
   </p:cSld>
@@ -1493,7 +1493,7 @@
           <p:cNvPr id="2" name="标题 1">
             <a:extLst>
               <a:ext uri="{FF2B5EF4-FFF2-40B4-BE49-F238E27FC236}">
-                <a16:creationId xmlns:a16="http://schemas.microsoft.com/office/drawing/2014/main" id="{129772F2-8D66-9F22-3C2F-C4F204E59799}"/>
+                <a16:creationId xmlns:a16="http://schemas.microsoft.com/office/drawing/2014/main" id="{DC6CC525-E48B-330A-5414-9D4FE181939F}"/>
               </a:ext>
             </a:extLst>
           </p:cNvPr>
@@ -1526,7 +1526,7 @@
           <p:cNvPr id="3" name="文本占位符 2">
             <a:extLst>
               <a:ext uri="{FF2B5EF4-FFF2-40B4-BE49-F238E27FC236}">
-                <a16:creationId xmlns:a16="http://schemas.microsoft.com/office/drawing/2014/main" id="{8D40F610-7452-21E8-B208-D732A7F14D31}"/>
+                <a16:creationId xmlns:a16="http://schemas.microsoft.com/office/drawing/2014/main" id="{042F79F2-7FF7-7322-1CAC-2CF57CB9F242}"/>
               </a:ext>
             </a:extLst>
           </p:cNvPr>
@@ -1597,7 +1597,7 @@
           <p:cNvPr id="4" name="内容占位符 3">
             <a:extLst>
               <a:ext uri="{FF2B5EF4-FFF2-40B4-BE49-F238E27FC236}">
-                <a16:creationId xmlns:a16="http://schemas.microsoft.com/office/drawing/2014/main" id="{CA318409-8D98-30A8-9856-0880FA38E61A}"/>
+                <a16:creationId xmlns:a16="http://schemas.microsoft.com/office/drawing/2014/main" id="{19C288C6-375B-F92C-D0CB-05AAB40C20C8}"/>
               </a:ext>
             </a:extLst>
           </p:cNvPr>
@@ -1659,7 +1659,7 @@
           <p:cNvPr id="5" name="文本占位符 4">
             <a:extLst>
               <a:ext uri="{FF2B5EF4-FFF2-40B4-BE49-F238E27FC236}">
-                <a16:creationId xmlns:a16="http://schemas.microsoft.com/office/drawing/2014/main" id="{C36FCC52-6128-3EA6-CA1E-78E35301D9E9}"/>
+                <a16:creationId xmlns:a16="http://schemas.microsoft.com/office/drawing/2014/main" id="{AF63BA4E-245E-8060-5A48-28E531113665}"/>
               </a:ext>
             </a:extLst>
           </p:cNvPr>
@@ -1730,7 +1730,7 @@
           <p:cNvPr id="6" name="内容占位符 5">
             <a:extLst>
               <a:ext uri="{FF2B5EF4-FFF2-40B4-BE49-F238E27FC236}">
-                <a16:creationId xmlns:a16="http://schemas.microsoft.com/office/drawing/2014/main" id="{62033CBF-19B6-5B15-79D0-573D720C945E}"/>
+                <a16:creationId xmlns:a16="http://schemas.microsoft.com/office/drawing/2014/main" id="{AE8C546E-560A-4AF9-AD48-9F2D69601898}"/>
               </a:ext>
             </a:extLst>
           </p:cNvPr>
@@ -1792,7 +1792,7 @@
           <p:cNvPr id="7" name="日期占位符 6">
             <a:extLst>
               <a:ext uri="{FF2B5EF4-FFF2-40B4-BE49-F238E27FC236}">
-                <a16:creationId xmlns:a16="http://schemas.microsoft.com/office/drawing/2014/main" id="{F8CD1DC1-1205-25AA-A84C-956D0847C47D}"/>
+                <a16:creationId xmlns:a16="http://schemas.microsoft.com/office/drawing/2014/main" id="{7BC351E2-8F4F-CB77-5CFF-5E97A3AED24A}"/>
               </a:ext>
             </a:extLst>
           </p:cNvPr>
@@ -1808,7 +1808,7 @@
           <a:bodyPr/>
           <a:lstStyle/>
           <a:p>
-            <a:fld id="{C82D3034-8552-4ACF-AF64-2C047BA01E42}" type="datetimeFigureOut">
+            <a:fld id="{C7E90B2B-00F0-42D6-9A98-3B4D057C2A78}" type="datetimeFigureOut">
               <a:rPr lang="zh-CN" altLang="en-US" smtClean="0"/>
               <a:t>2024/3/10</a:t>
             </a:fld>
@@ -1821,7 +1821,7 @@
           <p:cNvPr id="8" name="页脚占位符 7">
             <a:extLst>
               <a:ext uri="{FF2B5EF4-FFF2-40B4-BE49-F238E27FC236}">
-                <a16:creationId xmlns:a16="http://schemas.microsoft.com/office/drawing/2014/main" id="{AB21F3A0-6681-A3D6-D0BB-0D3AA5F933D7}"/>
+                <a16:creationId xmlns:a16="http://schemas.microsoft.com/office/drawing/2014/main" id="{02BDE35D-49B1-0B59-F61F-67EF6CDE81AE}"/>
               </a:ext>
             </a:extLst>
           </p:cNvPr>
@@ -1846,7 +1846,7 @@
           <p:cNvPr id="9" name="灯片编号占位符 8">
             <a:extLst>
               <a:ext uri="{FF2B5EF4-FFF2-40B4-BE49-F238E27FC236}">
-                <a16:creationId xmlns:a16="http://schemas.microsoft.com/office/drawing/2014/main" id="{8851A3C3-D6A6-BD4E-2BA5-7DCCA2EE7890}"/>
+                <a16:creationId xmlns:a16="http://schemas.microsoft.com/office/drawing/2014/main" id="{C7A858B4-15E7-10E9-8A47-C64FEBBC51D0}"/>
               </a:ext>
             </a:extLst>
           </p:cNvPr>
@@ -1862,7 +1862,7 @@
           <a:bodyPr/>
           <a:lstStyle/>
           <a:p>
-            <a:fld id="{310C99F0-8C91-4725-8329-A3EE0CE7B465}" type="slidenum">
+            <a:fld id="{06CD15DE-CB6A-45B6-9E41-73D84BFED846}" type="slidenum">
               <a:rPr lang="zh-CN" altLang="en-US" smtClean="0"/>
               <a:t>‹#›</a:t>
             </a:fld>
@@ -1873,7 +1873,7 @@
     </p:spTree>
     <p:extLst>
       <p:ext uri="{BB962C8B-B14F-4D97-AF65-F5344CB8AC3E}">
-        <p14:creationId xmlns:p14="http://schemas.microsoft.com/office/powerpoint/2010/main" val="3131247633"/>
+        <p14:creationId xmlns:p14="http://schemas.microsoft.com/office/powerpoint/2010/main" val="1345211897"/>
       </p:ext>
     </p:extLst>
   </p:cSld>
@@ -1905,7 +1905,7 @@
           <p:cNvPr id="2" name="标题 1">
             <a:extLst>
               <a:ext uri="{FF2B5EF4-FFF2-40B4-BE49-F238E27FC236}">
-                <a16:creationId xmlns:a16="http://schemas.microsoft.com/office/drawing/2014/main" id="{C1C075E4-1DC2-5589-BE8A-C05FF61F5879}"/>
+                <a16:creationId xmlns:a16="http://schemas.microsoft.com/office/drawing/2014/main" id="{E35330D0-9B87-85D5-125C-BED0B18381E2}"/>
               </a:ext>
             </a:extLst>
           </p:cNvPr>
@@ -1933,7 +1933,7 @@
           <p:cNvPr id="3" name="日期占位符 2">
             <a:extLst>
               <a:ext uri="{FF2B5EF4-FFF2-40B4-BE49-F238E27FC236}">
-                <a16:creationId xmlns:a16="http://schemas.microsoft.com/office/drawing/2014/main" id="{0D4440FD-4D87-7E69-C909-5C999C13BB9B}"/>
+                <a16:creationId xmlns:a16="http://schemas.microsoft.com/office/drawing/2014/main" id="{A1425C03-770F-F393-F4DA-15A10FCEF41A}"/>
               </a:ext>
             </a:extLst>
           </p:cNvPr>
@@ -1949,7 +1949,7 @@
           <a:bodyPr/>
           <a:lstStyle/>
           <a:p>
-            <a:fld id="{C82D3034-8552-4ACF-AF64-2C047BA01E42}" type="datetimeFigureOut">
+            <a:fld id="{C7E90B2B-00F0-42D6-9A98-3B4D057C2A78}" type="datetimeFigureOut">
               <a:rPr lang="zh-CN" altLang="en-US" smtClean="0"/>
               <a:t>2024/3/10</a:t>
             </a:fld>
@@ -1962,7 +1962,7 @@
           <p:cNvPr id="4" name="页脚占位符 3">
             <a:extLst>
               <a:ext uri="{FF2B5EF4-FFF2-40B4-BE49-F238E27FC236}">
-                <a16:creationId xmlns:a16="http://schemas.microsoft.com/office/drawing/2014/main" id="{BD0F78E9-A7BF-5643-4FDC-A56B645F31D7}"/>
+                <a16:creationId xmlns:a16="http://schemas.microsoft.com/office/drawing/2014/main" id="{7712D53C-3291-1056-3B73-91A1917D700D}"/>
               </a:ext>
             </a:extLst>
           </p:cNvPr>
@@ -1987,7 +1987,7 @@
           <p:cNvPr id="5" name="灯片编号占位符 4">
             <a:extLst>
               <a:ext uri="{FF2B5EF4-FFF2-40B4-BE49-F238E27FC236}">
-                <a16:creationId xmlns:a16="http://schemas.microsoft.com/office/drawing/2014/main" id="{4D83AC80-E767-E42F-16BE-D1252FAC94AF}"/>
+                <a16:creationId xmlns:a16="http://schemas.microsoft.com/office/drawing/2014/main" id="{122BA9A9-BD93-7360-5522-86C705B75239}"/>
               </a:ext>
             </a:extLst>
           </p:cNvPr>
@@ -2003,7 +2003,7 @@
           <a:bodyPr/>
           <a:lstStyle/>
           <a:p>
-            <a:fld id="{310C99F0-8C91-4725-8329-A3EE0CE7B465}" type="slidenum">
+            <a:fld id="{06CD15DE-CB6A-45B6-9E41-73D84BFED846}" type="slidenum">
               <a:rPr lang="zh-CN" altLang="en-US" smtClean="0"/>
               <a:t>‹#›</a:t>
             </a:fld>
@@ -2014,7 +2014,7 @@
     </p:spTree>
     <p:extLst>
       <p:ext uri="{BB962C8B-B14F-4D97-AF65-F5344CB8AC3E}">
-        <p14:creationId xmlns:p14="http://schemas.microsoft.com/office/powerpoint/2010/main" val="1932959176"/>
+        <p14:creationId xmlns:p14="http://schemas.microsoft.com/office/powerpoint/2010/main" val="772609773"/>
       </p:ext>
     </p:extLst>
   </p:cSld>
@@ -2046,7 +2046,7 @@
           <p:cNvPr id="2" name="日期占位符 1">
             <a:extLst>
               <a:ext uri="{FF2B5EF4-FFF2-40B4-BE49-F238E27FC236}">
-                <a16:creationId xmlns:a16="http://schemas.microsoft.com/office/drawing/2014/main" id="{5C7E68F0-B5E1-355A-7BE7-3FE2AF1507D0}"/>
+                <a16:creationId xmlns:a16="http://schemas.microsoft.com/office/drawing/2014/main" id="{2361F9DE-7AE1-CCAC-A99B-348AB66B4DD4}"/>
               </a:ext>
             </a:extLst>
           </p:cNvPr>
@@ -2062,7 +2062,7 @@
           <a:bodyPr/>
           <a:lstStyle/>
           <a:p>
-            <a:fld id="{C82D3034-8552-4ACF-AF64-2C047BA01E42}" type="datetimeFigureOut">
+            <a:fld id="{C7E90B2B-00F0-42D6-9A98-3B4D057C2A78}" type="datetimeFigureOut">
               <a:rPr lang="zh-CN" altLang="en-US" smtClean="0"/>
               <a:t>2024/3/10</a:t>
             </a:fld>
@@ -2075,7 +2075,7 @@
           <p:cNvPr id="3" name="页脚占位符 2">
             <a:extLst>
               <a:ext uri="{FF2B5EF4-FFF2-40B4-BE49-F238E27FC236}">
-                <a16:creationId xmlns:a16="http://schemas.microsoft.com/office/drawing/2014/main" id="{F7C2A784-4FC6-56EA-A381-4A1D8F5131C0}"/>
+                <a16:creationId xmlns:a16="http://schemas.microsoft.com/office/drawing/2014/main" id="{6B4E7F68-47B8-B2CB-3BE0-79FE2BD343D8}"/>
               </a:ext>
             </a:extLst>
           </p:cNvPr>
@@ -2100,7 +2100,7 @@
           <p:cNvPr id="4" name="灯片编号占位符 3">
             <a:extLst>
               <a:ext uri="{FF2B5EF4-FFF2-40B4-BE49-F238E27FC236}">
-                <a16:creationId xmlns:a16="http://schemas.microsoft.com/office/drawing/2014/main" id="{AFDC05AF-46E4-3844-FC29-5A6F677F81F7}"/>
+                <a16:creationId xmlns:a16="http://schemas.microsoft.com/office/drawing/2014/main" id="{B9D836B1-BA09-5726-C40A-5CC4E04DD2AD}"/>
               </a:ext>
             </a:extLst>
           </p:cNvPr>
@@ -2116,7 +2116,7 @@
           <a:bodyPr/>
           <a:lstStyle/>
           <a:p>
-            <a:fld id="{310C99F0-8C91-4725-8329-A3EE0CE7B465}" type="slidenum">
+            <a:fld id="{06CD15DE-CB6A-45B6-9E41-73D84BFED846}" type="slidenum">
               <a:rPr lang="zh-CN" altLang="en-US" smtClean="0"/>
               <a:t>‹#›</a:t>
             </a:fld>
@@ -2127,7 +2127,7 @@
     </p:spTree>
     <p:extLst>
       <p:ext uri="{BB962C8B-B14F-4D97-AF65-F5344CB8AC3E}">
-        <p14:creationId xmlns:p14="http://schemas.microsoft.com/office/powerpoint/2010/main" val="2997427040"/>
+        <p14:creationId xmlns:p14="http://schemas.microsoft.com/office/powerpoint/2010/main" val="1323588640"/>
       </p:ext>
     </p:extLst>
   </p:cSld>
@@ -2159,7 +2159,7 @@
           <p:cNvPr id="2" name="标题 1">
             <a:extLst>
               <a:ext uri="{FF2B5EF4-FFF2-40B4-BE49-F238E27FC236}">
-                <a16:creationId xmlns:a16="http://schemas.microsoft.com/office/drawing/2014/main" id="{32D6C5F1-D23E-7B1D-CA32-CB4429D5822F}"/>
+                <a16:creationId xmlns:a16="http://schemas.microsoft.com/office/drawing/2014/main" id="{FF9D2B57-4666-B04F-3EB0-AE4D27B1F6A6}"/>
               </a:ext>
             </a:extLst>
           </p:cNvPr>
@@ -2196,7 +2196,7 @@
           <p:cNvPr id="3" name="内容占位符 2">
             <a:extLst>
               <a:ext uri="{FF2B5EF4-FFF2-40B4-BE49-F238E27FC236}">
-                <a16:creationId xmlns:a16="http://schemas.microsoft.com/office/drawing/2014/main" id="{4170CA7D-F87E-4811-38C6-C2E890F06E16}"/>
+                <a16:creationId xmlns:a16="http://schemas.microsoft.com/office/drawing/2014/main" id="{EC6CCA4F-EF21-1A1A-EE1C-2B5E842A6E94}"/>
               </a:ext>
             </a:extLst>
           </p:cNvPr>
@@ -2286,7 +2286,7 @@
           <p:cNvPr id="4" name="文本占位符 3">
             <a:extLst>
               <a:ext uri="{FF2B5EF4-FFF2-40B4-BE49-F238E27FC236}">
-                <a16:creationId xmlns:a16="http://schemas.microsoft.com/office/drawing/2014/main" id="{391D8420-F0B3-ACBE-8101-0B9C13B3ED76}"/>
+                <a16:creationId xmlns:a16="http://schemas.microsoft.com/office/drawing/2014/main" id="{A20087D4-0701-00B7-A5A4-6A62C040D125}"/>
               </a:ext>
             </a:extLst>
           </p:cNvPr>
@@ -2357,7 +2357,7 @@
           <p:cNvPr id="5" name="日期占位符 4">
             <a:extLst>
               <a:ext uri="{FF2B5EF4-FFF2-40B4-BE49-F238E27FC236}">
-                <a16:creationId xmlns:a16="http://schemas.microsoft.com/office/drawing/2014/main" id="{52992C2D-21EA-01C3-A3DE-99BAC309AAF7}"/>
+                <a16:creationId xmlns:a16="http://schemas.microsoft.com/office/drawing/2014/main" id="{0DA2C0C7-D739-9E8F-2D6B-8FDA71CEF421}"/>
               </a:ext>
             </a:extLst>
           </p:cNvPr>
@@ -2373,7 +2373,7 @@
           <a:bodyPr/>
           <a:lstStyle/>
           <a:p>
-            <a:fld id="{C82D3034-8552-4ACF-AF64-2C047BA01E42}" type="datetimeFigureOut">
+            <a:fld id="{C7E90B2B-00F0-42D6-9A98-3B4D057C2A78}" type="datetimeFigureOut">
               <a:rPr lang="zh-CN" altLang="en-US" smtClean="0"/>
               <a:t>2024/3/10</a:t>
             </a:fld>
@@ -2386,7 +2386,7 @@
           <p:cNvPr id="6" name="页脚占位符 5">
             <a:extLst>
               <a:ext uri="{FF2B5EF4-FFF2-40B4-BE49-F238E27FC236}">
-                <a16:creationId xmlns:a16="http://schemas.microsoft.com/office/drawing/2014/main" id="{03F324D3-8272-6229-3A8E-01982E24CACF}"/>
+                <a16:creationId xmlns:a16="http://schemas.microsoft.com/office/drawing/2014/main" id="{B79379AC-F53A-861A-1AC4-146D705C8354}"/>
               </a:ext>
             </a:extLst>
           </p:cNvPr>
@@ -2411,7 +2411,7 @@
           <p:cNvPr id="7" name="灯片编号占位符 6">
             <a:extLst>
               <a:ext uri="{FF2B5EF4-FFF2-40B4-BE49-F238E27FC236}">
-                <a16:creationId xmlns:a16="http://schemas.microsoft.com/office/drawing/2014/main" id="{5D445962-1B34-B257-2B97-CE3961AE6196}"/>
+                <a16:creationId xmlns:a16="http://schemas.microsoft.com/office/drawing/2014/main" id="{D24C04E4-D5AC-6BC1-DA82-747662B72171}"/>
               </a:ext>
             </a:extLst>
           </p:cNvPr>
@@ -2427,7 +2427,7 @@
           <a:bodyPr/>
           <a:lstStyle/>
           <a:p>
-            <a:fld id="{310C99F0-8C91-4725-8329-A3EE0CE7B465}" type="slidenum">
+            <a:fld id="{06CD15DE-CB6A-45B6-9E41-73D84BFED846}" type="slidenum">
               <a:rPr lang="zh-CN" altLang="en-US" smtClean="0"/>
               <a:t>‹#›</a:t>
             </a:fld>
@@ -2438,7 +2438,7 @@
     </p:spTree>
     <p:extLst>
       <p:ext uri="{BB962C8B-B14F-4D97-AF65-F5344CB8AC3E}">
-        <p14:creationId xmlns:p14="http://schemas.microsoft.com/office/powerpoint/2010/main" val="2467263922"/>
+        <p14:creationId xmlns:p14="http://schemas.microsoft.com/office/powerpoint/2010/main" val="2695911182"/>
       </p:ext>
     </p:extLst>
   </p:cSld>
@@ -2470,7 +2470,7 @@
           <p:cNvPr id="2" name="标题 1">
             <a:extLst>
               <a:ext uri="{FF2B5EF4-FFF2-40B4-BE49-F238E27FC236}">
-                <a16:creationId xmlns:a16="http://schemas.microsoft.com/office/drawing/2014/main" id="{BC37439F-47BE-9B0C-A6A5-981258041EC0}"/>
+                <a16:creationId xmlns:a16="http://schemas.microsoft.com/office/drawing/2014/main" id="{F23E7377-0C21-83C7-85CD-EA643952D15F}"/>
               </a:ext>
             </a:extLst>
           </p:cNvPr>
@@ -2507,7 +2507,7 @@
           <p:cNvPr id="3" name="图片占位符 2">
             <a:extLst>
               <a:ext uri="{FF2B5EF4-FFF2-40B4-BE49-F238E27FC236}">
-                <a16:creationId xmlns:a16="http://schemas.microsoft.com/office/drawing/2014/main" id="{9469FC5C-ABF4-248C-A652-70E60E95EF1C}"/>
+                <a16:creationId xmlns:a16="http://schemas.microsoft.com/office/drawing/2014/main" id="{CF2ACBCD-378B-36B2-48A0-2D5272C6FE4A}"/>
               </a:ext>
             </a:extLst>
           </p:cNvPr>
@@ -2574,7 +2574,7 @@
           <p:cNvPr id="4" name="文本占位符 3">
             <a:extLst>
               <a:ext uri="{FF2B5EF4-FFF2-40B4-BE49-F238E27FC236}">
-                <a16:creationId xmlns:a16="http://schemas.microsoft.com/office/drawing/2014/main" id="{E72D9441-21ED-6631-B21C-EFA42CB8E29E}"/>
+                <a16:creationId xmlns:a16="http://schemas.microsoft.com/office/drawing/2014/main" id="{8B0B02C9-EA1A-942F-2BE6-5B26B9FEAD15}"/>
               </a:ext>
             </a:extLst>
           </p:cNvPr>
@@ -2645,7 +2645,7 @@
           <p:cNvPr id="5" name="日期占位符 4">
             <a:extLst>
               <a:ext uri="{FF2B5EF4-FFF2-40B4-BE49-F238E27FC236}">
-                <a16:creationId xmlns:a16="http://schemas.microsoft.com/office/drawing/2014/main" id="{E3F3D13F-201A-FDE6-C298-363E5B895CE4}"/>
+                <a16:creationId xmlns:a16="http://schemas.microsoft.com/office/drawing/2014/main" id="{D03E6BDE-7B77-D920-1B04-4D484BC4A568}"/>
               </a:ext>
             </a:extLst>
           </p:cNvPr>
@@ -2661,7 +2661,7 @@
           <a:bodyPr/>
           <a:lstStyle/>
           <a:p>
-            <a:fld id="{C82D3034-8552-4ACF-AF64-2C047BA01E42}" type="datetimeFigureOut">
+            <a:fld id="{C7E90B2B-00F0-42D6-9A98-3B4D057C2A78}" type="datetimeFigureOut">
               <a:rPr lang="zh-CN" altLang="en-US" smtClean="0"/>
               <a:t>2024/3/10</a:t>
             </a:fld>
@@ -2674,7 +2674,7 @@
           <p:cNvPr id="6" name="页脚占位符 5">
             <a:extLst>
               <a:ext uri="{FF2B5EF4-FFF2-40B4-BE49-F238E27FC236}">
-                <a16:creationId xmlns:a16="http://schemas.microsoft.com/office/drawing/2014/main" id="{1AEB2FDC-739E-4CA3-F483-A3772C7DB695}"/>
+                <a16:creationId xmlns:a16="http://schemas.microsoft.com/office/drawing/2014/main" id="{A4E0DD8B-8CF6-5BDF-8DA4-0F87C8661AF0}"/>
               </a:ext>
             </a:extLst>
           </p:cNvPr>
@@ -2699,7 +2699,7 @@
           <p:cNvPr id="7" name="灯片编号占位符 6">
             <a:extLst>
               <a:ext uri="{FF2B5EF4-FFF2-40B4-BE49-F238E27FC236}">
-                <a16:creationId xmlns:a16="http://schemas.microsoft.com/office/drawing/2014/main" id="{C36D1566-71F8-AEFE-786D-A2DC7C87F4F3}"/>
+                <a16:creationId xmlns:a16="http://schemas.microsoft.com/office/drawing/2014/main" id="{A16B3961-58AD-E84F-FEC0-19446D77AA02}"/>
               </a:ext>
             </a:extLst>
           </p:cNvPr>
@@ -2715,7 +2715,7 @@
           <a:bodyPr/>
           <a:lstStyle/>
           <a:p>
-            <a:fld id="{310C99F0-8C91-4725-8329-A3EE0CE7B465}" type="slidenum">
+            <a:fld id="{06CD15DE-CB6A-45B6-9E41-73D84BFED846}" type="slidenum">
               <a:rPr lang="zh-CN" altLang="en-US" smtClean="0"/>
               <a:t>‹#›</a:t>
             </a:fld>
@@ -2726,7 +2726,7 @@
     </p:spTree>
     <p:extLst>
       <p:ext uri="{BB962C8B-B14F-4D97-AF65-F5344CB8AC3E}">
-        <p14:creationId xmlns:p14="http://schemas.microsoft.com/office/powerpoint/2010/main" val="4265699999"/>
+        <p14:creationId xmlns:p14="http://schemas.microsoft.com/office/powerpoint/2010/main" val="2339628372"/>
       </p:ext>
     </p:extLst>
   </p:cSld>
@@ -2763,7 +2763,7 @@
           <p:cNvPr id="2" name="标题占位符 1">
             <a:extLst>
               <a:ext uri="{FF2B5EF4-FFF2-40B4-BE49-F238E27FC236}">
-                <a16:creationId xmlns:a16="http://schemas.microsoft.com/office/drawing/2014/main" id="{01759F0B-29E1-273D-F428-39A51D260634}"/>
+                <a16:creationId xmlns:a16="http://schemas.microsoft.com/office/drawing/2014/main" id="{1D8C82AC-AC6E-9A51-23EF-8A0FE7ACE3A2}"/>
               </a:ext>
             </a:extLst>
           </p:cNvPr>
@@ -2801,7 +2801,7 @@
           <p:cNvPr id="3" name="文本占位符 2">
             <a:extLst>
               <a:ext uri="{FF2B5EF4-FFF2-40B4-BE49-F238E27FC236}">
-                <a16:creationId xmlns:a16="http://schemas.microsoft.com/office/drawing/2014/main" id="{679D68F8-8C25-69C5-B078-E04BD2AE85B3}"/>
+                <a16:creationId xmlns:a16="http://schemas.microsoft.com/office/drawing/2014/main" id="{3C6C6FD6-9964-258E-4398-8B8FF248983B}"/>
               </a:ext>
             </a:extLst>
           </p:cNvPr>
@@ -2868,7 +2868,7 @@
           <p:cNvPr id="4" name="日期占位符 3">
             <a:extLst>
               <a:ext uri="{FF2B5EF4-FFF2-40B4-BE49-F238E27FC236}">
-                <a16:creationId xmlns:a16="http://schemas.microsoft.com/office/drawing/2014/main" id="{A03E9C60-80A6-B273-65F7-03F7C5E8CDF1}"/>
+                <a16:creationId xmlns:a16="http://schemas.microsoft.com/office/drawing/2014/main" id="{BD1DFE3F-F8AE-1EAC-BBB6-60B3EC547B9F}"/>
               </a:ext>
             </a:extLst>
           </p:cNvPr>
@@ -2902,7 +2902,7 @@
             </a:lvl1pPr>
           </a:lstStyle>
           <a:p>
-            <a:fld id="{C82D3034-8552-4ACF-AF64-2C047BA01E42}" type="datetimeFigureOut">
+            <a:fld id="{C7E90B2B-00F0-42D6-9A98-3B4D057C2A78}" type="datetimeFigureOut">
               <a:rPr lang="zh-CN" altLang="en-US" smtClean="0"/>
               <a:t>2024/3/10</a:t>
             </a:fld>
@@ -2915,7 +2915,7 @@
           <p:cNvPr id="5" name="页脚占位符 4">
             <a:extLst>
               <a:ext uri="{FF2B5EF4-FFF2-40B4-BE49-F238E27FC236}">
-                <a16:creationId xmlns:a16="http://schemas.microsoft.com/office/drawing/2014/main" id="{9851CECF-D173-9828-50E5-25933BC15321}"/>
+                <a16:creationId xmlns:a16="http://schemas.microsoft.com/office/drawing/2014/main" id="{204EB38D-9911-E089-DCF4-D7F0B5EE8B7C}"/>
               </a:ext>
             </a:extLst>
           </p:cNvPr>
@@ -2958,7 +2958,7 @@
           <p:cNvPr id="6" name="灯片编号占位符 5">
             <a:extLst>
               <a:ext uri="{FF2B5EF4-FFF2-40B4-BE49-F238E27FC236}">
-                <a16:creationId xmlns:a16="http://schemas.microsoft.com/office/drawing/2014/main" id="{28273FE0-0CB0-EE9E-F51C-9CC7A7D82A5F}"/>
+                <a16:creationId xmlns:a16="http://schemas.microsoft.com/office/drawing/2014/main" id="{5752544A-7EA6-73DF-EB1F-D7ED14B5D8B5}"/>
               </a:ext>
             </a:extLst>
           </p:cNvPr>
@@ -2992,7 +2992,7 @@
             </a:lvl1pPr>
           </a:lstStyle>
           <a:p>
-            <a:fld id="{310C99F0-8C91-4725-8329-A3EE0CE7B465}" type="slidenum">
+            <a:fld id="{06CD15DE-CB6A-45B6-9E41-73D84BFED846}" type="slidenum">
               <a:rPr lang="zh-CN" altLang="en-US" smtClean="0"/>
               <a:t>‹#›</a:t>
             </a:fld>
@@ -3003,7 +3003,7 @@
     </p:spTree>
     <p:extLst>
       <p:ext uri="{BB962C8B-B14F-4D97-AF65-F5344CB8AC3E}">
-        <p14:creationId xmlns:p14="http://schemas.microsoft.com/office/powerpoint/2010/main" val="670508470"/>
+        <p14:creationId xmlns:p14="http://schemas.microsoft.com/office/powerpoint/2010/main" val="1479385400"/>
       </p:ext>
     </p:extLst>
   </p:cSld>
